--- a/hasan.pptx
+++ b/hasan.pptx
@@ -9,6 +9,7 @@
     <p:sldId id="257" r:id="rId3"/>
     <p:sldId id="258" r:id="rId4"/>
     <p:sldId id="259" r:id="rId5"/>
+    <p:sldId id="260" r:id="rId6"/>
   </p:sldIdLst>
   <p:sldSz cx="12192000" cy="6858000"/>
   <p:notesSz cx="6858000" cy="9144000"/>
@@ -262,7 +263,7 @@
           <a:p>
             <a:fld id="{8A50B5D2-0DDC-4A5F-95FA-5664550B0D3B}" type="datetimeFigureOut">
               <a:rPr lang="tr-TR" smtClean="0"/>
-              <a:t>13.12.2023</a:t>
+              <a:t>26.12.2023</a:t>
             </a:fld>
             <a:endParaRPr lang="tr-TR"/>
           </a:p>
@@ -460,7 +461,7 @@
           <a:p>
             <a:fld id="{8A50B5D2-0DDC-4A5F-95FA-5664550B0D3B}" type="datetimeFigureOut">
               <a:rPr lang="tr-TR" smtClean="0"/>
-              <a:t>13.12.2023</a:t>
+              <a:t>26.12.2023</a:t>
             </a:fld>
             <a:endParaRPr lang="tr-TR"/>
           </a:p>
@@ -668,7 +669,7 @@
           <a:p>
             <a:fld id="{8A50B5D2-0DDC-4A5F-95FA-5664550B0D3B}" type="datetimeFigureOut">
               <a:rPr lang="tr-TR" smtClean="0"/>
-              <a:t>13.12.2023</a:t>
+              <a:t>26.12.2023</a:t>
             </a:fld>
             <a:endParaRPr lang="tr-TR"/>
           </a:p>
@@ -866,7 +867,7 @@
           <a:p>
             <a:fld id="{8A50B5D2-0DDC-4A5F-95FA-5664550B0D3B}" type="datetimeFigureOut">
               <a:rPr lang="tr-TR" smtClean="0"/>
-              <a:t>13.12.2023</a:t>
+              <a:t>26.12.2023</a:t>
             </a:fld>
             <a:endParaRPr lang="tr-TR"/>
           </a:p>
@@ -1141,7 +1142,7 @@
           <a:p>
             <a:fld id="{8A50B5D2-0DDC-4A5F-95FA-5664550B0D3B}" type="datetimeFigureOut">
               <a:rPr lang="tr-TR" smtClean="0"/>
-              <a:t>13.12.2023</a:t>
+              <a:t>26.12.2023</a:t>
             </a:fld>
             <a:endParaRPr lang="tr-TR"/>
           </a:p>
@@ -1406,7 +1407,7 @@
           <a:p>
             <a:fld id="{8A50B5D2-0DDC-4A5F-95FA-5664550B0D3B}" type="datetimeFigureOut">
               <a:rPr lang="tr-TR" smtClean="0"/>
-              <a:t>13.12.2023</a:t>
+              <a:t>26.12.2023</a:t>
             </a:fld>
             <a:endParaRPr lang="tr-TR"/>
           </a:p>
@@ -1818,7 +1819,7 @@
           <a:p>
             <a:fld id="{8A50B5D2-0DDC-4A5F-95FA-5664550B0D3B}" type="datetimeFigureOut">
               <a:rPr lang="tr-TR" smtClean="0"/>
-              <a:t>13.12.2023</a:t>
+              <a:t>26.12.2023</a:t>
             </a:fld>
             <a:endParaRPr lang="tr-TR"/>
           </a:p>
@@ -1959,7 +1960,7 @@
           <a:p>
             <a:fld id="{8A50B5D2-0DDC-4A5F-95FA-5664550B0D3B}" type="datetimeFigureOut">
               <a:rPr lang="tr-TR" smtClean="0"/>
-              <a:t>13.12.2023</a:t>
+              <a:t>26.12.2023</a:t>
             </a:fld>
             <a:endParaRPr lang="tr-TR"/>
           </a:p>
@@ -2072,7 +2073,7 @@
           <a:p>
             <a:fld id="{8A50B5D2-0DDC-4A5F-95FA-5664550B0D3B}" type="datetimeFigureOut">
               <a:rPr lang="tr-TR" smtClean="0"/>
-              <a:t>13.12.2023</a:t>
+              <a:t>26.12.2023</a:t>
             </a:fld>
             <a:endParaRPr lang="tr-TR"/>
           </a:p>
@@ -2383,7 +2384,7 @@
           <a:p>
             <a:fld id="{8A50B5D2-0DDC-4A5F-95FA-5664550B0D3B}" type="datetimeFigureOut">
               <a:rPr lang="tr-TR" smtClean="0"/>
-              <a:t>13.12.2023</a:t>
+              <a:t>26.12.2023</a:t>
             </a:fld>
             <a:endParaRPr lang="tr-TR"/>
           </a:p>
@@ -2671,7 +2672,7 @@
           <a:p>
             <a:fld id="{8A50B5D2-0DDC-4A5F-95FA-5664550B0D3B}" type="datetimeFigureOut">
               <a:rPr lang="tr-TR" smtClean="0"/>
-              <a:t>13.12.2023</a:t>
+              <a:t>26.12.2023</a:t>
             </a:fld>
             <a:endParaRPr lang="tr-TR"/>
           </a:p>
@@ -2912,7 +2913,7 @@
           <a:p>
             <a:fld id="{8A50B5D2-0DDC-4A5F-95FA-5664550B0D3B}" type="datetimeFigureOut">
               <a:rPr lang="tr-TR" smtClean="0"/>
-              <a:t>13.12.2023</a:t>
+              <a:t>26.12.2023</a:t>
             </a:fld>
             <a:endParaRPr lang="tr-TR"/>
           </a:p>
@@ -3483,7 +3484,7 @@
         </p:spPr>
         <p:txBody>
           <a:bodyPr>
-            <a:normAutofit fontScale="85000" lnSpcReduction="20000"/>
+            <a:normAutofit fontScale="85000" lnSpcReduction="10000"/>
           </a:bodyPr>
           <a:lstStyle/>
           <a:p>
@@ -3493,15 +3494,7 @@
             </a:r>
             <a:r>
               <a:rPr lang="tr-TR" dirty="0"/>
-              <a:t> (</a:t>
-            </a:r>
-            <a:r>
-              <a:rPr lang="tr-TR" dirty="0" err="1"/>
-              <a:t>Mah-nays</a:t>
-            </a:r>
-            <a:r>
-              <a:rPr lang="tr-TR" dirty="0"/>
-              <a:t> olarak telaffuz edilen), öte dünyada yaşayan kolektif ölülerdi (</a:t>
+              <a:t> öte dünyada yaşayan kolektif ölülerdi (</a:t>
             </a:r>
             <a:r>
               <a:rPr lang="tr-TR" dirty="0" err="1"/>
@@ -4710,8 +4703,8 @@
         </p:blipFill>
         <p:spPr>
           <a:xfrm>
-            <a:off x="183775" y="1089551"/>
-            <a:ext cx="1766048" cy="1801369"/>
+            <a:off x="67233" y="1119885"/>
+            <a:ext cx="2604249" cy="2656334"/>
           </a:xfrm>
           <a:prstGeom prst="rect">
             <a:avLst/>
@@ -4746,8 +4739,8 @@
         </p:blipFill>
         <p:spPr>
           <a:xfrm>
-            <a:off x="183775" y="3096321"/>
-            <a:ext cx="1766048" cy="1741520"/>
+            <a:off x="219633" y="3919654"/>
+            <a:ext cx="2451849" cy="2417796"/>
           </a:xfrm>
           <a:prstGeom prst="rect">
             <a:avLst/>
@@ -4758,6 +4751,120 @@
     <p:extLst>
       <p:ext uri="{BB962C8B-B14F-4D97-AF65-F5344CB8AC3E}">
         <p14:creationId xmlns:p14="http://schemas.microsoft.com/office/powerpoint/2010/main" val="1756052961"/>
+      </p:ext>
+    </p:extLst>
+  </p:cSld>
+  <p:clrMapOvr>
+    <a:masterClrMapping/>
+  </p:clrMapOvr>
+</p:sld>
+</file>
+
+<file path=ppt/slides/slide5.xml><?xml version="1.0" encoding="utf-8"?>
+<p:sld xmlns:a="http://schemas.openxmlformats.org/drawingml/2006/main" xmlns:r="http://schemas.openxmlformats.org/officeDocument/2006/relationships" xmlns:p="http://schemas.openxmlformats.org/presentationml/2006/main">
+  <p:cSld>
+    <p:spTree>
+      <p:nvGrpSpPr>
+        <p:cNvPr id="1" name=""/>
+        <p:cNvGrpSpPr/>
+        <p:nvPr/>
+      </p:nvGrpSpPr>
+      <p:grpSpPr>
+        <a:xfrm>
+          <a:off x="0" y="0"/>
+          <a:ext cx="0" cy="0"/>
+          <a:chOff x="0" y="0"/>
+          <a:chExt cx="0" cy="0"/>
+        </a:xfrm>
+      </p:grpSpPr>
+      <p:sp>
+        <p:nvSpPr>
+          <p:cNvPr id="2" name="Başlık 1">
+            <a:extLst>
+              <a:ext uri="{FF2B5EF4-FFF2-40B4-BE49-F238E27FC236}">
+                <a16:creationId xmlns:a16="http://schemas.microsoft.com/office/drawing/2014/main" id="{05BE9A68-02A5-490D-A70D-88AA1972946B}"/>
+              </a:ext>
+            </a:extLst>
+          </p:cNvPr>
+          <p:cNvSpPr>
+            <a:spLocks noGrp="1"/>
+          </p:cNvSpPr>
+          <p:nvPr>
+            <p:ph type="title"/>
+          </p:nvPr>
+        </p:nvSpPr>
+        <p:spPr>
+          <a:xfrm>
+            <a:off x="0" y="141007"/>
+            <a:ext cx="10515600" cy="1325563"/>
+          </a:xfrm>
+        </p:spPr>
+        <p:txBody>
+          <a:bodyPr/>
+          <a:lstStyle/>
+          <a:p>
+            <a:r>
+              <a:rPr lang="tr-TR" dirty="0"/>
+              <a:t>KAYNAKLAR</a:t>
+            </a:r>
+          </a:p>
+        </p:txBody>
+      </p:sp>
+      <p:sp>
+        <p:nvSpPr>
+          <p:cNvPr id="3" name="İçerik Yer Tutucusu 2">
+            <a:extLst>
+              <a:ext uri="{FF2B5EF4-FFF2-40B4-BE49-F238E27FC236}">
+                <a16:creationId xmlns:a16="http://schemas.microsoft.com/office/drawing/2014/main" id="{791A10CB-670C-4AAE-A72C-6B8C44E3F269}"/>
+              </a:ext>
+            </a:extLst>
+          </p:cNvPr>
+          <p:cNvSpPr>
+            <a:spLocks noGrp="1"/>
+          </p:cNvSpPr>
+          <p:nvPr>
+            <p:ph idx="1"/>
+          </p:nvPr>
+        </p:nvSpPr>
+        <p:spPr/>
+        <p:txBody>
+          <a:bodyPr/>
+          <a:lstStyle/>
+          <a:p>
+            <a:r>
+              <a:rPr lang="en-US" dirty="0"/>
+              <a:t>William Smith - Dictionary of Greek and Roman Biography and Mythology Vol I</a:t>
+            </a:r>
+            <a:endParaRPr lang="tr-TR" dirty="0"/>
+          </a:p>
+          <a:p>
+            <a:r>
+              <a:rPr lang="en-US" dirty="0"/>
+              <a:t>William Smith - Dictionary of Greek and Roman Biography and Mythology Vol II.</a:t>
+            </a:r>
+            <a:endParaRPr lang="tr-TR" dirty="0"/>
+          </a:p>
+          <a:p>
+            <a:r>
+              <a:rPr lang="en-US" dirty="0"/>
+              <a:t>Don </a:t>
+            </a:r>
+            <a:r>
+              <a:rPr lang="en-US" dirty="0" err="1"/>
+              <a:t>Nardo</a:t>
+            </a:r>
+            <a:r>
+              <a:rPr lang="en-US" dirty="0"/>
+              <a:t> - Greek and Roman Mythology</a:t>
+            </a:r>
+            <a:endParaRPr lang="tr-TR" dirty="0"/>
+          </a:p>
+        </p:txBody>
+      </p:sp>
+    </p:spTree>
+    <p:extLst>
+      <p:ext uri="{BB962C8B-B14F-4D97-AF65-F5344CB8AC3E}">
+        <p14:creationId xmlns:p14="http://schemas.microsoft.com/office/powerpoint/2010/main" val="3158299747"/>
       </p:ext>
     </p:extLst>
   </p:cSld>

--- a/hasan.pptx
+++ b/hasan.pptx
@@ -263,7 +263,7 @@
           <a:p>
             <a:fld id="{8A50B5D2-0DDC-4A5F-95FA-5664550B0D3B}" type="datetimeFigureOut">
               <a:rPr lang="tr-TR" smtClean="0"/>
-              <a:t>26.12.2023</a:t>
+              <a:t>27.12.2023</a:t>
             </a:fld>
             <a:endParaRPr lang="tr-TR"/>
           </a:p>
@@ -461,7 +461,7 @@
           <a:p>
             <a:fld id="{8A50B5D2-0DDC-4A5F-95FA-5664550B0D3B}" type="datetimeFigureOut">
               <a:rPr lang="tr-TR" smtClean="0"/>
-              <a:t>26.12.2023</a:t>
+              <a:t>27.12.2023</a:t>
             </a:fld>
             <a:endParaRPr lang="tr-TR"/>
           </a:p>
@@ -669,7 +669,7 @@
           <a:p>
             <a:fld id="{8A50B5D2-0DDC-4A5F-95FA-5664550B0D3B}" type="datetimeFigureOut">
               <a:rPr lang="tr-TR" smtClean="0"/>
-              <a:t>26.12.2023</a:t>
+              <a:t>27.12.2023</a:t>
             </a:fld>
             <a:endParaRPr lang="tr-TR"/>
           </a:p>
@@ -867,7 +867,7 @@
           <a:p>
             <a:fld id="{8A50B5D2-0DDC-4A5F-95FA-5664550B0D3B}" type="datetimeFigureOut">
               <a:rPr lang="tr-TR" smtClean="0"/>
-              <a:t>26.12.2023</a:t>
+              <a:t>27.12.2023</a:t>
             </a:fld>
             <a:endParaRPr lang="tr-TR"/>
           </a:p>
@@ -1142,7 +1142,7 @@
           <a:p>
             <a:fld id="{8A50B5D2-0DDC-4A5F-95FA-5664550B0D3B}" type="datetimeFigureOut">
               <a:rPr lang="tr-TR" smtClean="0"/>
-              <a:t>26.12.2023</a:t>
+              <a:t>27.12.2023</a:t>
             </a:fld>
             <a:endParaRPr lang="tr-TR"/>
           </a:p>
@@ -1407,7 +1407,7 @@
           <a:p>
             <a:fld id="{8A50B5D2-0DDC-4A5F-95FA-5664550B0D3B}" type="datetimeFigureOut">
               <a:rPr lang="tr-TR" smtClean="0"/>
-              <a:t>26.12.2023</a:t>
+              <a:t>27.12.2023</a:t>
             </a:fld>
             <a:endParaRPr lang="tr-TR"/>
           </a:p>
@@ -1819,7 +1819,7 @@
           <a:p>
             <a:fld id="{8A50B5D2-0DDC-4A5F-95FA-5664550B0D3B}" type="datetimeFigureOut">
               <a:rPr lang="tr-TR" smtClean="0"/>
-              <a:t>26.12.2023</a:t>
+              <a:t>27.12.2023</a:t>
             </a:fld>
             <a:endParaRPr lang="tr-TR"/>
           </a:p>
@@ -1960,7 +1960,7 @@
           <a:p>
             <a:fld id="{8A50B5D2-0DDC-4A5F-95FA-5664550B0D3B}" type="datetimeFigureOut">
               <a:rPr lang="tr-TR" smtClean="0"/>
-              <a:t>26.12.2023</a:t>
+              <a:t>27.12.2023</a:t>
             </a:fld>
             <a:endParaRPr lang="tr-TR"/>
           </a:p>
@@ -2073,7 +2073,7 @@
           <a:p>
             <a:fld id="{8A50B5D2-0DDC-4A5F-95FA-5664550B0D3B}" type="datetimeFigureOut">
               <a:rPr lang="tr-TR" smtClean="0"/>
-              <a:t>26.12.2023</a:t>
+              <a:t>27.12.2023</a:t>
             </a:fld>
             <a:endParaRPr lang="tr-TR"/>
           </a:p>
@@ -2384,7 +2384,7 @@
           <a:p>
             <a:fld id="{8A50B5D2-0DDC-4A5F-95FA-5664550B0D3B}" type="datetimeFigureOut">
               <a:rPr lang="tr-TR" smtClean="0"/>
-              <a:t>26.12.2023</a:t>
+              <a:t>27.12.2023</a:t>
             </a:fld>
             <a:endParaRPr lang="tr-TR"/>
           </a:p>
@@ -2672,7 +2672,7 @@
           <a:p>
             <a:fld id="{8A50B5D2-0DDC-4A5F-95FA-5664550B0D3B}" type="datetimeFigureOut">
               <a:rPr lang="tr-TR" smtClean="0"/>
-              <a:t>26.12.2023</a:t>
+              <a:t>27.12.2023</a:t>
             </a:fld>
             <a:endParaRPr lang="tr-TR"/>
           </a:p>
@@ -2913,7 +2913,7 @@
           <a:p>
             <a:fld id="{8A50B5D2-0DDC-4A5F-95FA-5664550B0D3B}" type="datetimeFigureOut">
               <a:rPr lang="tr-TR" smtClean="0"/>
-              <a:t>26.12.2023</a:t>
+              <a:t>27.12.2023</a:t>
             </a:fld>
             <a:endParaRPr lang="tr-TR"/>
           </a:p>
@@ -3358,7 +3358,14 @@
           <a:p>
             <a:r>
               <a:rPr lang="tr-TR" dirty="0"/>
-              <a:t>MANES-LEMURES </a:t>
+              <a:t>MANES-LEMURES</a:t>
+            </a:r>
+            <a:br>
+              <a:rPr lang="tr-TR" dirty="0"/>
+            </a:br>
+            <a:r>
+              <a:rPr lang="tr-TR" dirty="0"/>
+              <a:t>CAMENAE </a:t>
             </a:r>
           </a:p>
         </p:txBody>
@@ -3381,7 +3388,7 @@
         </p:nvSpPr>
         <p:spPr>
           <a:xfrm>
-            <a:off x="1524000" y="3655826"/>
+            <a:off x="1524000" y="3906838"/>
             <a:ext cx="9144000" cy="1655762"/>
           </a:xfrm>
         </p:spPr>
@@ -3737,13 +3744,13 @@
         </p:nvSpPr>
         <p:spPr>
           <a:xfrm>
-            <a:off x="4424083" y="838340"/>
-            <a:ext cx="7767917" cy="5450541"/>
+            <a:off x="2348754" y="1170035"/>
+            <a:ext cx="9520518" cy="5450541"/>
           </a:xfrm>
         </p:spPr>
         <p:txBody>
           <a:bodyPr>
-            <a:normAutofit fontScale="77500" lnSpcReduction="20000"/>
+            <a:normAutofit fontScale="92500" lnSpcReduction="20000"/>
           </a:bodyPr>
           <a:lstStyle/>
           <a:p>
@@ -3890,42 +3897,6 @@
           </a:p>
         </p:txBody>
       </p:sp>
-      <p:pic>
-        <p:nvPicPr>
-          <p:cNvPr id="5" name="Resim 4">
-            <a:extLst>
-              <a:ext uri="{FF2B5EF4-FFF2-40B4-BE49-F238E27FC236}">
-                <a16:creationId xmlns:a16="http://schemas.microsoft.com/office/drawing/2014/main" id="{68C8C70A-9A33-44D7-AAF4-AF222A7D8C30}"/>
-              </a:ext>
-            </a:extLst>
-          </p:cNvPr>
-          <p:cNvPicPr>
-            <a:picLocks noChangeAspect="1"/>
-          </p:cNvPicPr>
-          <p:nvPr/>
-        </p:nvPicPr>
-        <p:blipFill>
-          <a:blip r:embed="rId2">
-            <a:extLst>
-              <a:ext uri="{28A0092B-C50C-407E-A947-70E740481C1C}">
-                <a14:useLocalDpi xmlns:a14="http://schemas.microsoft.com/office/drawing/2010/main" val="0"/>
-              </a:ext>
-            </a:extLst>
-          </a:blip>
-          <a:stretch>
-            <a:fillRect/>
-          </a:stretch>
-        </p:blipFill>
-        <p:spPr>
-          <a:xfrm>
-            <a:off x="101184" y="1343818"/>
-            <a:ext cx="4004651" cy="4592000"/>
-          </a:xfrm>
-          <a:prstGeom prst="rect">
-            <a:avLst/>
-          </a:prstGeom>
-        </p:spPr>
-      </p:pic>
     </p:spTree>
     <p:extLst>
       <p:ext uri="{BB962C8B-B14F-4D97-AF65-F5344CB8AC3E}">
